--- a/files/Presentation.pdf.pptx
+++ b/files/Presentation.pdf.pptx
@@ -3931,7 +3931,12 @@
             <p:ph idx="1"/>
           </p:nvPr>
         </p:nvSpPr>
-        <p:spPr/>
+        <p:spPr>
+          <a:xfrm>
+            <a:off x="1371600" y="2286000"/>
+            <a:ext cx="9601200" cy="4045974"/>
+          </a:xfrm>
+        </p:spPr>
         <p:txBody>
           <a:bodyPr/>
           <a:lstStyle/>
@@ -4135,7 +4140,7 @@
           <a:p>
             <a:r>
               <a:rPr lang="en-US" dirty="0"/>
-              <a:t>It would therefore be idea if the company invest in this two airplane because they are the most used brands in the market thereby making them reliable. </a:t>
+              <a:t>It would therefore be ideal if the company invests in this two airplane because they are the most used brands in the market thereby making them reliable. </a:t>
             </a:r>
           </a:p>
           <a:p>
@@ -4148,6 +4153,20 @@
             <a:r>
               <a:rPr lang="en-US" dirty="0"/>
               <a:t>To avoid accidents, the company should always do regular check ups on both planes specifically on its landing ability and take off because this is when most accidents occur. Employing well experienced pilots would also avoid such incidences.</a:t>
+            </a:r>
+          </a:p>
+          <a:p>
+            <a:r>
+              <a:rPr lang="en-US" dirty="0"/>
+              <a:t>All the other airplanes are also reliable if the </a:t>
+            </a:r>
+            <a:r>
+              <a:rPr lang="en-US"/>
+              <a:t>company wouldn’t </a:t>
+            </a:r>
+            <a:r>
+              <a:rPr lang="en-US" dirty="0"/>
+              <a:t>want to consider market demand.</a:t>
             </a:r>
             <a:endParaRPr lang="en-GB" dirty="0"/>
           </a:p>
